--- a/presentation/Prezentacja.pptx
+++ b/presentation/Prezentacja.pptx
@@ -6,13 +6,14 @@
   </p:sldMasterIdLst>
   <p:sldIdLst>
     <p:sldId id="256" r:id="rId2"/>
-    <p:sldId id="262" r:id="rId3"/>
-    <p:sldId id="263" r:id="rId4"/>
-    <p:sldId id="257" r:id="rId5"/>
-    <p:sldId id="258" r:id="rId6"/>
-    <p:sldId id="261" r:id="rId7"/>
-    <p:sldId id="260" r:id="rId8"/>
-    <p:sldId id="259" r:id="rId9"/>
+    <p:sldId id="264" r:id="rId3"/>
+    <p:sldId id="262" r:id="rId4"/>
+    <p:sldId id="263" r:id="rId5"/>
+    <p:sldId id="257" r:id="rId6"/>
+    <p:sldId id="258" r:id="rId7"/>
+    <p:sldId id="261" r:id="rId8"/>
+    <p:sldId id="260" r:id="rId9"/>
+    <p:sldId id="259" r:id="rId10"/>
   </p:sldIdLst>
   <p:sldSz cx="12192000" cy="6858000"/>
   <p:notesSz cx="6858000" cy="9144000"/>
@@ -3516,7 +3517,7 @@
           <p:cNvPr id="2" name="Tytuł 1">
             <a:extLst>
               <a:ext uri="{FF2B5EF4-FFF2-40B4-BE49-F238E27FC236}">
-                <a16:creationId xmlns:a16="http://schemas.microsoft.com/office/drawing/2014/main" id="{0184B0F8-412A-5598-D2D1-B88A91EAFBD1}"/>
+                <a16:creationId xmlns:a16="http://schemas.microsoft.com/office/drawing/2014/main" id="{BF3284E5-6B9A-3DDB-AEB4-B2BE670F7D16}"/>
               </a:ext>
             </a:extLst>
           </p:cNvPr>
@@ -3542,7 +3543,7 @@
           <a:p>
             <a:pPr algn="ctr"/>
             <a:r>
-              <a:rPr lang="pl-PL" sz="3500" kern="1200" dirty="0">
+              <a:rPr lang="en-US" sz="3600" kern="1200">
                 <a:solidFill>
                   <a:srgbClr val="FFFFFF"/>
                 </a:solidFill>
@@ -3550,16 +3551,8 @@
                 <a:ea typeface="+mj-ea"/>
                 <a:cs typeface="+mj-cs"/>
               </a:rPr>
-              <a:t>Diagram wdrożenia</a:t>
-            </a:r>
-            <a:endParaRPr lang="en-US" sz="3500" kern="1200" dirty="0">
-              <a:solidFill>
-                <a:srgbClr val="FFFFFF"/>
-              </a:solidFill>
-              <a:latin typeface="+mj-lt"/>
-              <a:ea typeface="+mj-ea"/>
-              <a:cs typeface="+mj-cs"/>
-            </a:endParaRPr>
+              <a:t>Baza Danych</a:t>
+            </a:r>
           </a:p>
         </p:txBody>
       </p:sp>
@@ -3568,7 +3561,7 @@
           <p:cNvPr id="5" name="Symbol zastępczy zawartości 4">
             <a:extLst>
               <a:ext uri="{FF2B5EF4-FFF2-40B4-BE49-F238E27FC236}">
-                <a16:creationId xmlns:a16="http://schemas.microsoft.com/office/drawing/2014/main" id="{104C24D5-69B0-002D-CC00-D0DAA2523809}"/>
+                <a16:creationId xmlns:a16="http://schemas.microsoft.com/office/drawing/2014/main" id="{00071942-0EB5-BF93-581F-6305C62B7AF9}"/>
               </a:ext>
             </a:extLst>
           </p:cNvPr>
@@ -3596,8 +3589,8 @@
         </p:blipFill>
         <p:spPr>
           <a:xfrm>
-            <a:off x="4777316" y="1833865"/>
-            <a:ext cx="6780700" cy="3187941"/>
+            <a:off x="5920549" y="643466"/>
+            <a:ext cx="4494233" cy="5568739"/>
           </a:xfrm>
           <a:prstGeom prst="rect">
             <a:avLst/>
@@ -3607,7 +3600,7 @@
     </p:spTree>
     <p:extLst>
       <p:ext uri="{BB962C8B-B14F-4D97-AF65-F5344CB8AC3E}">
-        <p14:creationId xmlns:p14="http://schemas.microsoft.com/office/powerpoint/2010/main" val="3340118939"/>
+        <p14:creationId xmlns:p14="http://schemas.microsoft.com/office/powerpoint/2010/main" val="564357127"/>
       </p:ext>
     </p:extLst>
   </p:cSld>
@@ -3644,7 +3637,7 @@
       </p:grpSpPr>
       <p:sp>
         <p:nvSpPr>
-          <p:cNvPr id="15" name="Down Arrow 7">
+          <p:cNvPr id="10" name="Down Arrow 7">
             <a:extLst>
               <a:ext uri="{FF2B5EF4-FFF2-40B4-BE49-F238E27FC236}">
                 <a16:creationId xmlns:a16="http://schemas.microsoft.com/office/drawing/2014/main" id="{D4771268-CB57-404A-9271-370EB28F6090}"/>
@@ -3713,7 +3706,7 @@
           <p:cNvPr id="2" name="Tytuł 1">
             <a:extLst>
               <a:ext uri="{FF2B5EF4-FFF2-40B4-BE49-F238E27FC236}">
-                <a16:creationId xmlns:a16="http://schemas.microsoft.com/office/drawing/2014/main" id="{065387FD-C3AA-6B19-0A5F-CAA8F094403C}"/>
+                <a16:creationId xmlns:a16="http://schemas.microsoft.com/office/drawing/2014/main" id="{0184B0F8-412A-5598-D2D1-B88A91EAFBD1}"/>
               </a:ext>
             </a:extLst>
           </p:cNvPr>
@@ -3739,7 +3732,7 @@
           <a:p>
             <a:pPr algn="ctr"/>
             <a:r>
-              <a:rPr lang="en-US" sz="3600" kern="1200">
+              <a:rPr lang="pl-PL" sz="3500" kern="1200" dirty="0">
                 <a:solidFill>
                   <a:srgbClr val="FFFFFF"/>
                 </a:solidFill>
@@ -3747,17 +3740,25 @@
                 <a:ea typeface="+mj-ea"/>
                 <a:cs typeface="+mj-cs"/>
               </a:rPr>
-              <a:t>Architektura Backendu</a:t>
-            </a:r>
+              <a:t>Diagram wdrożenia</a:t>
+            </a:r>
+            <a:endParaRPr lang="en-US" sz="3500" kern="1200" dirty="0">
+              <a:solidFill>
+                <a:srgbClr val="FFFFFF"/>
+              </a:solidFill>
+              <a:latin typeface="+mj-lt"/>
+              <a:ea typeface="+mj-ea"/>
+              <a:cs typeface="+mj-cs"/>
+            </a:endParaRPr>
           </a:p>
         </p:txBody>
       </p:sp>
       <p:pic>
         <p:nvPicPr>
-          <p:cNvPr id="9" name="Symbol zastępczy zawartości 8">
-            <a:extLst>
-              <a:ext uri="{FF2B5EF4-FFF2-40B4-BE49-F238E27FC236}">
-                <a16:creationId xmlns:a16="http://schemas.microsoft.com/office/drawing/2014/main" id="{CDE479A1-77E3-474C-0EAB-4CC6BECFEF84}"/>
+          <p:cNvPr id="5" name="Symbol zastępczy zawartości 4">
+            <a:extLst>
+              <a:ext uri="{FF2B5EF4-FFF2-40B4-BE49-F238E27FC236}">
+                <a16:creationId xmlns:a16="http://schemas.microsoft.com/office/drawing/2014/main" id="{104C24D5-69B0-002D-CC00-D0DAA2523809}"/>
               </a:ext>
             </a:extLst>
           </p:cNvPr>
@@ -3785,8 +3786,8 @@
         </p:blipFill>
         <p:spPr>
           <a:xfrm>
-            <a:off x="5068678" y="643466"/>
-            <a:ext cx="6197975" cy="5568739"/>
+            <a:off x="4777316" y="1833865"/>
+            <a:ext cx="6780700" cy="3187941"/>
           </a:xfrm>
           <a:prstGeom prst="rect">
             <a:avLst/>
@@ -3796,7 +3797,7 @@
     </p:spTree>
     <p:extLst>
       <p:ext uri="{BB962C8B-B14F-4D97-AF65-F5344CB8AC3E}">
-        <p14:creationId xmlns:p14="http://schemas.microsoft.com/office/powerpoint/2010/main" val="1488665315"/>
+        <p14:creationId xmlns:p14="http://schemas.microsoft.com/office/powerpoint/2010/main" val="3340118939"/>
       </p:ext>
     </p:extLst>
   </p:cSld>
@@ -3833,7 +3834,7 @@
       </p:grpSpPr>
       <p:sp>
         <p:nvSpPr>
-          <p:cNvPr id="10" name="Down Arrow 7">
+          <p:cNvPr id="15" name="Down Arrow 7">
             <a:extLst>
               <a:ext uri="{FF2B5EF4-FFF2-40B4-BE49-F238E27FC236}">
                 <a16:creationId xmlns:a16="http://schemas.microsoft.com/office/drawing/2014/main" id="{D4771268-CB57-404A-9271-370EB28F6090}"/>
@@ -3902,7 +3903,7 @@
           <p:cNvPr id="2" name="Tytuł 1">
             <a:extLst>
               <a:ext uri="{FF2B5EF4-FFF2-40B4-BE49-F238E27FC236}">
-                <a16:creationId xmlns:a16="http://schemas.microsoft.com/office/drawing/2014/main" id="{7C683FFA-A84B-050D-AE75-12471F86E3B1}"/>
+                <a16:creationId xmlns:a16="http://schemas.microsoft.com/office/drawing/2014/main" id="{065387FD-C3AA-6B19-0A5F-CAA8F094403C}"/>
               </a:ext>
             </a:extLst>
           </p:cNvPr>
@@ -3936,17 +3937,17 @@
                 <a:ea typeface="+mj-ea"/>
                 <a:cs typeface="+mj-cs"/>
               </a:rPr>
-              <a:t>Rejestracja</a:t>
+              <a:t>Architektura Backendu</a:t>
             </a:r>
           </a:p>
         </p:txBody>
       </p:sp>
       <p:pic>
         <p:nvPicPr>
-          <p:cNvPr id="5" name="Symbol zastępczy zawartości 4">
-            <a:extLst>
-              <a:ext uri="{FF2B5EF4-FFF2-40B4-BE49-F238E27FC236}">
-                <a16:creationId xmlns:a16="http://schemas.microsoft.com/office/drawing/2014/main" id="{6AAD19C9-8787-5CBA-CB68-261348051B3C}"/>
+          <p:cNvPr id="9" name="Symbol zastępczy zawartości 8">
+            <a:extLst>
+              <a:ext uri="{FF2B5EF4-FFF2-40B4-BE49-F238E27FC236}">
+                <a16:creationId xmlns:a16="http://schemas.microsoft.com/office/drawing/2014/main" id="{CDE479A1-77E3-474C-0EAB-4CC6BECFEF84}"/>
               </a:ext>
             </a:extLst>
           </p:cNvPr>
@@ -3974,8 +3975,8 @@
         </p:blipFill>
         <p:spPr>
           <a:xfrm>
-            <a:off x="4777316" y="1835799"/>
-            <a:ext cx="6780700" cy="3184072"/>
+            <a:off x="5068678" y="643466"/>
+            <a:ext cx="6197975" cy="5568739"/>
           </a:xfrm>
           <a:prstGeom prst="rect">
             <a:avLst/>
@@ -3985,7 +3986,7 @@
     </p:spTree>
     <p:extLst>
       <p:ext uri="{BB962C8B-B14F-4D97-AF65-F5344CB8AC3E}">
-        <p14:creationId xmlns:p14="http://schemas.microsoft.com/office/powerpoint/2010/main" val="1555783944"/>
+        <p14:creationId xmlns:p14="http://schemas.microsoft.com/office/powerpoint/2010/main" val="1488665315"/>
       </p:ext>
     </p:extLst>
   </p:cSld>
@@ -4091,7 +4092,7 @@
           <p:cNvPr id="2" name="Tytuł 1">
             <a:extLst>
               <a:ext uri="{FF2B5EF4-FFF2-40B4-BE49-F238E27FC236}">
-                <a16:creationId xmlns:a16="http://schemas.microsoft.com/office/drawing/2014/main" id="{014081FE-EFAA-4A7E-2104-0CCD87EED9AD}"/>
+                <a16:creationId xmlns:a16="http://schemas.microsoft.com/office/drawing/2014/main" id="{7C683FFA-A84B-050D-AE75-12471F86E3B1}"/>
               </a:ext>
             </a:extLst>
           </p:cNvPr>
@@ -4125,7 +4126,7 @@
                 <a:ea typeface="+mj-ea"/>
                 <a:cs typeface="+mj-cs"/>
               </a:rPr>
-              <a:t>Logowanie</a:t>
+              <a:t>Rejestracja</a:t>
             </a:r>
           </a:p>
         </p:txBody>
@@ -4135,7 +4136,7 @@
           <p:cNvPr id="5" name="Symbol zastępczy zawartości 4">
             <a:extLst>
               <a:ext uri="{FF2B5EF4-FFF2-40B4-BE49-F238E27FC236}">
-                <a16:creationId xmlns:a16="http://schemas.microsoft.com/office/drawing/2014/main" id="{47168752-F384-DB69-31DF-C278E3C461EE}"/>
+                <a16:creationId xmlns:a16="http://schemas.microsoft.com/office/drawing/2014/main" id="{6AAD19C9-8787-5CBA-CB68-261348051B3C}"/>
               </a:ext>
             </a:extLst>
           </p:cNvPr>
@@ -4163,8 +4164,8 @@
         </p:blipFill>
         <p:spPr>
           <a:xfrm>
-            <a:off x="4777316" y="2052505"/>
-            <a:ext cx="6780700" cy="2750661"/>
+            <a:off x="4777316" y="1835799"/>
+            <a:ext cx="6780700" cy="3184072"/>
           </a:xfrm>
           <a:prstGeom prst="rect">
             <a:avLst/>
@@ -4174,7 +4175,7 @@
     </p:spTree>
     <p:extLst>
       <p:ext uri="{BB962C8B-B14F-4D97-AF65-F5344CB8AC3E}">
-        <p14:creationId xmlns:p14="http://schemas.microsoft.com/office/powerpoint/2010/main" val="3418350960"/>
+        <p14:creationId xmlns:p14="http://schemas.microsoft.com/office/powerpoint/2010/main" val="1555783944"/>
       </p:ext>
     </p:extLst>
   </p:cSld>
@@ -4280,7 +4281,7 @@
           <p:cNvPr id="2" name="Tytuł 1">
             <a:extLst>
               <a:ext uri="{FF2B5EF4-FFF2-40B4-BE49-F238E27FC236}">
-                <a16:creationId xmlns:a16="http://schemas.microsoft.com/office/drawing/2014/main" id="{089E2489-17F7-6D59-A790-655685A5D6D8}"/>
+                <a16:creationId xmlns:a16="http://schemas.microsoft.com/office/drawing/2014/main" id="{014081FE-EFAA-4A7E-2104-0CCD87EED9AD}"/>
               </a:ext>
             </a:extLst>
           </p:cNvPr>
@@ -4306,7 +4307,7 @@
           <a:p>
             <a:pPr algn="ctr"/>
             <a:r>
-              <a:rPr lang="en-US" sz="3300" kern="1200">
+              <a:rPr lang="en-US" sz="3600" kern="1200">
                 <a:solidFill>
                   <a:srgbClr val="FFFFFF"/>
                 </a:solidFill>
@@ -4314,7 +4315,7 @@
                 <a:ea typeface="+mj-ea"/>
                 <a:cs typeface="+mj-cs"/>
               </a:rPr>
-              <a:t>Odzyskiwanie hasła</a:t>
+              <a:t>Logowanie</a:t>
             </a:r>
           </a:p>
         </p:txBody>
@@ -4324,7 +4325,7 @@
           <p:cNvPr id="5" name="Symbol zastępczy zawartości 4">
             <a:extLst>
               <a:ext uri="{FF2B5EF4-FFF2-40B4-BE49-F238E27FC236}">
-                <a16:creationId xmlns:a16="http://schemas.microsoft.com/office/drawing/2014/main" id="{39898E44-2F01-A491-2831-2DAA85E29C30}"/>
+                <a16:creationId xmlns:a16="http://schemas.microsoft.com/office/drawing/2014/main" id="{47168752-F384-DB69-31DF-C278E3C461EE}"/>
               </a:ext>
             </a:extLst>
           </p:cNvPr>
@@ -4352,8 +4353,8 @@
         </p:blipFill>
         <p:spPr>
           <a:xfrm>
-            <a:off x="4777316" y="1810569"/>
-            <a:ext cx="6780700" cy="3234533"/>
+            <a:off x="4777316" y="2052505"/>
+            <a:ext cx="6780700" cy="2750661"/>
           </a:xfrm>
           <a:prstGeom prst="rect">
             <a:avLst/>
@@ -4363,7 +4364,7 @@
     </p:spTree>
     <p:extLst>
       <p:ext uri="{BB962C8B-B14F-4D97-AF65-F5344CB8AC3E}">
-        <p14:creationId xmlns:p14="http://schemas.microsoft.com/office/powerpoint/2010/main" val="279456197"/>
+        <p14:creationId xmlns:p14="http://schemas.microsoft.com/office/powerpoint/2010/main" val="3418350960"/>
       </p:ext>
     </p:extLst>
   </p:cSld>
@@ -4469,6 +4470,195 @@
           <p:cNvPr id="2" name="Tytuł 1">
             <a:extLst>
               <a:ext uri="{FF2B5EF4-FFF2-40B4-BE49-F238E27FC236}">
+                <a16:creationId xmlns:a16="http://schemas.microsoft.com/office/drawing/2014/main" id="{089E2489-17F7-6D59-A790-655685A5D6D8}"/>
+              </a:ext>
+            </a:extLst>
+          </p:cNvPr>
+          <p:cNvSpPr>
+            <a:spLocks noGrp="1"/>
+          </p:cNvSpPr>
+          <p:nvPr>
+            <p:ph type="title"/>
+          </p:nvPr>
+        </p:nvSpPr>
+        <p:spPr>
+          <a:xfrm>
+            <a:off x="1028700" y="1967266"/>
+            <a:ext cx="2628900" cy="2547257"/>
+          </a:xfrm>
+          <a:noFill/>
+        </p:spPr>
+        <p:txBody>
+          <a:bodyPr vert="horz" lIns="91440" tIns="45720" rIns="91440" bIns="45720" rtlCol="0" anchor="ctr">
+            <a:normAutofit/>
+          </a:bodyPr>
+          <a:lstStyle/>
+          <a:p>
+            <a:pPr algn="ctr"/>
+            <a:r>
+              <a:rPr lang="en-US" sz="3300" kern="1200">
+                <a:solidFill>
+                  <a:srgbClr val="FFFFFF"/>
+                </a:solidFill>
+                <a:latin typeface="+mj-lt"/>
+                <a:ea typeface="+mj-ea"/>
+                <a:cs typeface="+mj-cs"/>
+              </a:rPr>
+              <a:t>Odzyskiwanie hasła</a:t>
+            </a:r>
+          </a:p>
+        </p:txBody>
+      </p:sp>
+      <p:pic>
+        <p:nvPicPr>
+          <p:cNvPr id="5" name="Symbol zastępczy zawartości 4">
+            <a:extLst>
+              <a:ext uri="{FF2B5EF4-FFF2-40B4-BE49-F238E27FC236}">
+                <a16:creationId xmlns:a16="http://schemas.microsoft.com/office/drawing/2014/main" id="{39898E44-2F01-A491-2831-2DAA85E29C30}"/>
+              </a:ext>
+            </a:extLst>
+          </p:cNvPr>
+          <p:cNvPicPr>
+            <a:picLocks noGrp="1" noChangeAspect="1"/>
+          </p:cNvPicPr>
+          <p:nvPr>
+            <p:ph idx="1"/>
+          </p:nvPr>
+        </p:nvPicPr>
+        <p:blipFill>
+          <a:blip r:embed="rId2">
+            <a:extLst>
+              <a:ext uri="{28A0092B-C50C-407E-A947-70E740481C1C}">
+                <a14:useLocalDpi xmlns:a14="http://schemas.microsoft.com/office/drawing/2010/main" val="0"/>
+              </a:ext>
+              <a:ext uri="{96DAC541-7B7A-43D3-8B79-37D633B846F1}">
+                <asvg:svgBlip xmlns:asvg="http://schemas.microsoft.com/office/drawing/2016/SVG/main" r:embed="rId3"/>
+              </a:ext>
+            </a:extLst>
+          </a:blip>
+          <a:stretch>
+            <a:fillRect/>
+          </a:stretch>
+        </p:blipFill>
+        <p:spPr>
+          <a:xfrm>
+            <a:off x="4777316" y="1810569"/>
+            <a:ext cx="6780700" cy="3234533"/>
+          </a:xfrm>
+          <a:prstGeom prst="rect">
+            <a:avLst/>
+          </a:prstGeom>
+        </p:spPr>
+      </p:pic>
+    </p:spTree>
+    <p:extLst>
+      <p:ext uri="{BB962C8B-B14F-4D97-AF65-F5344CB8AC3E}">
+        <p14:creationId xmlns:p14="http://schemas.microsoft.com/office/powerpoint/2010/main" val="279456197"/>
+      </p:ext>
+    </p:extLst>
+  </p:cSld>
+  <p:clrMapOvr>
+    <a:masterClrMapping/>
+  </p:clrMapOvr>
+</p:sld>
+</file>
+
+<file path=ppt/slides/slide8.xml><?xml version="1.0" encoding="utf-8"?>
+<p:sld xmlns:a="http://schemas.openxmlformats.org/drawingml/2006/main" xmlns:r="http://schemas.openxmlformats.org/officeDocument/2006/relationships" xmlns:p="http://schemas.openxmlformats.org/presentationml/2006/main">
+  <p:cSld>
+    <p:bg>
+      <p:bgPr>
+        <a:solidFill>
+          <a:schemeClr val="bg1"/>
+        </a:solidFill>
+        <a:effectLst/>
+      </p:bgPr>
+    </p:bg>
+    <p:spTree>
+      <p:nvGrpSpPr>
+        <p:cNvPr id="1" name=""/>
+        <p:cNvGrpSpPr/>
+        <p:nvPr/>
+      </p:nvGrpSpPr>
+      <p:grpSpPr>
+        <a:xfrm>
+          <a:off x="0" y="0"/>
+          <a:ext cx="0" cy="0"/>
+          <a:chOff x="0" y="0"/>
+          <a:chExt cx="0" cy="0"/>
+        </a:xfrm>
+      </p:grpSpPr>
+      <p:sp>
+        <p:nvSpPr>
+          <p:cNvPr id="10" name="Down Arrow 7">
+            <a:extLst>
+              <a:ext uri="{FF2B5EF4-FFF2-40B4-BE49-F238E27FC236}">
+                <a16:creationId xmlns:a16="http://schemas.microsoft.com/office/drawing/2014/main" id="{D4771268-CB57-404A-9271-370EB28F6090}"/>
+              </a:ext>
+              <a:ext uri="{C183D7F6-B498-43B3-948B-1728B52AA6E4}">
+                <adec:decorative xmlns:adec="http://schemas.microsoft.com/office/drawing/2017/decorative" val="1"/>
+              </a:ext>
+            </a:extLst>
+          </p:cNvPr>
+          <p:cNvSpPr>
+            <a:spLocks noGrp="1" noRot="1" noChangeAspect="1" noMove="1" noResize="1" noEditPoints="1" noAdjustHandles="1" noChangeArrowheads="1" noChangeShapeType="1" noTextEdit="1"/>
+          </p:cNvSpPr>
+          <p:nvPr>
+            <p:extLst>
+              <p:ext uri="{386F3935-93C4-4BCD-93E2-E3B085C9AB24}">
+                <p16:designElem xmlns:p16="http://schemas.microsoft.com/office/powerpoint/2015/main" val="1"/>
+              </p:ext>
+            </p:extLst>
+          </p:nvPr>
+        </p:nvSpPr>
+        <p:spPr>
+          <a:xfrm rot="16200000">
+            <a:off x="800100" y="1491343"/>
+            <a:ext cx="3333749" cy="3499103"/>
+          </a:xfrm>
+          <a:prstGeom prst="downArrow">
+            <a:avLst>
+              <a:gd name="adj1" fmla="val 100000"/>
+              <a:gd name="adj2" fmla="val 15788"/>
+            </a:avLst>
+          </a:prstGeom>
+          <a:solidFill>
+            <a:srgbClr val="404040"/>
+          </a:solidFill>
+          <a:ln w="53975">
+            <a:noFill/>
+          </a:ln>
+        </p:spPr>
+        <p:style>
+          <a:lnRef idx="2">
+            <a:schemeClr val="accent1">
+              <a:shade val="50000"/>
+            </a:schemeClr>
+          </a:lnRef>
+          <a:fillRef idx="1">
+            <a:schemeClr val="accent1"/>
+          </a:fillRef>
+          <a:effectRef idx="0">
+            <a:schemeClr val="accent1"/>
+          </a:effectRef>
+          <a:fontRef idx="minor">
+            <a:schemeClr val="lt1"/>
+          </a:fontRef>
+        </p:style>
+        <p:txBody>
+          <a:bodyPr rtlCol="0" anchor="ctr"/>
+          <a:lstStyle/>
+          <a:p>
+            <a:pPr algn="ctr"/>
+            <a:endParaRPr lang="en-US"/>
+          </a:p>
+        </p:txBody>
+      </p:sp>
+      <p:sp>
+        <p:nvSpPr>
+          <p:cNvPr id="2" name="Tytuł 1">
+            <a:extLst>
+              <a:ext uri="{FF2B5EF4-FFF2-40B4-BE49-F238E27FC236}">
                 <a16:creationId xmlns:a16="http://schemas.microsoft.com/office/drawing/2014/main" id="{7D28B063-57E4-30EE-E1FE-9AB369FEF680}"/>
               </a:ext>
             </a:extLst>
@@ -4553,7 +4743,7 @@
 </p:sld>
 </file>
 
-<file path=ppt/slides/slide8.xml><?xml version="1.0" encoding="utf-8"?>
+<file path=ppt/slides/slide9.xml><?xml version="1.0" encoding="utf-8"?>
 <p:sld xmlns:a="http://schemas.openxmlformats.org/drawingml/2006/main" xmlns:r="http://schemas.openxmlformats.org/officeDocument/2006/relationships" xmlns:p="http://schemas.openxmlformats.org/presentationml/2006/main">
   <p:cSld>
     <p:spTree>
